--- a/presentations/resultsAPFD.pptx
+++ b/presentations/resultsAPFD.pptx
@@ -5,15 +5,18 @@
     <p:sldMasterId id="2147483648" r:id="rId1"/>
   </p:sldMasterIdLst>
   <p:notesMasterIdLst>
-    <p:notesMasterId r:id="rId8"/>
+    <p:notesMasterId r:id="rId11"/>
   </p:notesMasterIdLst>
   <p:sldIdLst>
     <p:sldId id="256" r:id="rId2"/>
     <p:sldId id="261" r:id="rId3"/>
-    <p:sldId id="257" r:id="rId4"/>
-    <p:sldId id="258" r:id="rId5"/>
-    <p:sldId id="263" r:id="rId6"/>
-    <p:sldId id="260" r:id="rId7"/>
+    <p:sldId id="264" r:id="rId4"/>
+    <p:sldId id="266" r:id="rId5"/>
+    <p:sldId id="257" r:id="rId6"/>
+    <p:sldId id="258" r:id="rId7"/>
+    <p:sldId id="263" r:id="rId8"/>
+    <p:sldId id="265" r:id="rId9"/>
+    <p:sldId id="260" r:id="rId10"/>
   </p:sldIdLst>
   <p:sldSz cx="12192000" cy="6858000"/>
   <p:notesSz cx="6858000" cy="9144000"/>
@@ -6354,16 +6357,16 @@
               </a:lnSpc>
             </a:pPr>
             <a:r>
-              <a:rPr lang="en-GB" sz="1000" b="1">
+              <a:rPr lang="en-GB" sz="1000" b="1" dirty="0">
                 <a:effectLst/>
               </a:rPr>
               <a:t>Version</a:t>
             </a:r>
             <a:r>
-              <a:rPr lang="en-GB" sz="1000">
+              <a:rPr lang="en-GB" sz="1000" dirty="0">
                 <a:effectLst/>
               </a:rPr>
-              <a:t>: version under test.</a:t>
+              <a:t>: version under test. </a:t>
             </a:r>
           </a:p>
           <a:p>
@@ -6373,13 +6376,13 @@
               </a:lnSpc>
             </a:pPr>
             <a:r>
-              <a:rPr lang="en-GB" sz="1000" b="1">
+              <a:rPr lang="en-GB" sz="1000" b="1" dirty="0">
                 <a:effectLst/>
               </a:rPr>
               <a:t>Status</a:t>
             </a:r>
             <a:r>
-              <a:rPr lang="en-GB" sz="1000">
+              <a:rPr lang="en-GB" sz="1000" dirty="0">
                 <a:effectLst/>
               </a:rPr>
               <a:t>: test case status - Modified/New</a:t>
@@ -6392,25 +6395,25 @@
               </a:lnSpc>
             </a:pPr>
             <a:r>
-              <a:rPr lang="en-GB" sz="1000" b="1">
+              <a:rPr lang="en-GB" sz="1000" b="1" dirty="0">
                 <a:effectLst/>
               </a:rPr>
               <a:t>ST</a:t>
             </a:r>
             <a:r>
-              <a:rPr lang="en-GB" sz="1000">
+              <a:rPr lang="en-GB" sz="1000" dirty="0">
                 <a:effectLst/>
               </a:rPr>
               <a:t>: </a:t>
             </a:r>
             <a:r>
-              <a:rPr lang="en-GB" sz="1000" i="1">
+              <a:rPr lang="en-GB" sz="1000" i="1" dirty="0">
                 <a:effectLst/>
               </a:rPr>
               <a:t>Size of tests</a:t>
             </a:r>
             <a:r>
-              <a:rPr lang="en-GB" sz="1000">
+              <a:rPr lang="en-GB" sz="1000" dirty="0">
                 <a:effectLst/>
               </a:rPr>
               <a:t>. Number of lines of code.</a:t>
@@ -6423,25 +6426,25 @@
               </a:lnSpc>
             </a:pPr>
             <a:r>
-              <a:rPr lang="en-GB" sz="1000" b="1">
+              <a:rPr lang="en-GB" sz="1000" b="1" dirty="0">
                 <a:effectLst/>
               </a:rPr>
               <a:t>MC</a:t>
             </a:r>
             <a:r>
-              <a:rPr lang="en-GB" sz="1000">
+              <a:rPr lang="en-GB" sz="1000" dirty="0">
                 <a:effectLst/>
               </a:rPr>
               <a:t>: </a:t>
             </a:r>
             <a:r>
-              <a:rPr lang="en-GB" sz="1000" i="1">
+              <a:rPr lang="en-GB" sz="1000" i="1" dirty="0">
                 <a:effectLst/>
               </a:rPr>
               <a:t>Method Coverage</a:t>
             </a:r>
             <a:r>
-              <a:rPr lang="en-GB" sz="1000">
+              <a:rPr lang="en-GB" sz="1000" dirty="0">
                 <a:effectLst/>
               </a:rPr>
               <a:t>, the ratio of the nr. of methods called by a test case from the previous version and the total number of methods in the source code.</a:t>
@@ -6454,25 +6457,25 @@
               </a:lnSpc>
             </a:pPr>
             <a:r>
-              <a:rPr lang="en-GB" sz="1000" b="1">
+              <a:rPr lang="en-GB" sz="1000" b="1" dirty="0">
                 <a:effectLst/>
               </a:rPr>
               <a:t>BC</a:t>
             </a:r>
             <a:r>
-              <a:rPr lang="en-GB" sz="1000">
+              <a:rPr lang="en-GB" sz="1000" dirty="0">
                 <a:effectLst/>
               </a:rPr>
               <a:t>: </a:t>
             </a:r>
             <a:r>
-              <a:rPr lang="en-GB" sz="1000" i="1">
+              <a:rPr lang="en-GB" sz="1000" i="1" dirty="0">
                 <a:effectLst/>
               </a:rPr>
               <a:t>Basic Counting</a:t>
             </a:r>
             <a:r>
-              <a:rPr lang="en-GB" sz="1000">
+              <a:rPr lang="en-GB" sz="1000" dirty="0">
                 <a:effectLst/>
               </a:rPr>
               <a:t>, the nr. of unique method calls in the test trace from the current release that also appear in the previous failing sequences for that test case.</a:t>
@@ -6485,37 +6488,37 @@
               </a:lnSpc>
             </a:pPr>
             <a:r>
-              <a:rPr lang="en-GB" sz="1000" b="1">
+              <a:rPr lang="en-GB" sz="1000" b="1" dirty="0">
                 <a:effectLst/>
               </a:rPr>
               <a:t>HD</a:t>
             </a:r>
             <a:r>
-              <a:rPr lang="en-GB" sz="1000">
+              <a:rPr lang="en-GB" sz="1000" dirty="0">
                 <a:effectLst/>
               </a:rPr>
               <a:t>: </a:t>
             </a:r>
             <a:r>
-              <a:rPr lang="en-GB" sz="1000" i="1">
+              <a:rPr lang="en-GB" sz="1000" i="1" dirty="0">
                 <a:effectLst/>
               </a:rPr>
               <a:t>Hamming distance</a:t>
             </a:r>
             <a:r>
-              <a:rPr lang="en-GB" sz="1000">
+              <a:rPr lang="en-GB" sz="1000" dirty="0">
                 <a:effectLst/>
               </a:rPr>
               <a:t>, min nr. of edit operations (</a:t>
             </a:r>
             <a:r>
-              <a:rPr lang="en-GB" sz="1000" err="1">
+              <a:rPr lang="en-GB" sz="1000" dirty="0" err="1">
                 <a:effectLst/>
               </a:rPr>
               <a:t>insertios</a:t>
             </a:r>
             <a:r>
-              <a:rPr lang="en-GB" sz="1000">
+              <a:rPr lang="en-GB" sz="1000" dirty="0">
                 <a:effectLst/>
               </a:rPr>
               <a:t>, deletions and substitutions) required to convert a sequence into another.</a:t>
@@ -6528,37 +6531,37 @@
               </a:lnSpc>
             </a:pPr>
             <a:r>
-              <a:rPr lang="en-GB" sz="1000" b="1">
+              <a:rPr lang="en-GB" sz="1000" b="1" dirty="0">
                 <a:effectLst/>
               </a:rPr>
               <a:t>ED</a:t>
             </a:r>
             <a:r>
-              <a:rPr lang="en-GB" sz="1000">
+              <a:rPr lang="en-GB" sz="1000" dirty="0">
                 <a:effectLst/>
               </a:rPr>
               <a:t>: </a:t>
             </a:r>
             <a:r>
-              <a:rPr lang="en-GB" sz="1000" i="1">
+              <a:rPr lang="en-GB" sz="1000" i="1" dirty="0">
                 <a:effectLst/>
               </a:rPr>
               <a:t>Edit distance</a:t>
             </a:r>
             <a:r>
-              <a:rPr lang="en-GB" sz="1000">
+              <a:rPr lang="en-GB" sz="1000" dirty="0">
                 <a:effectLst/>
               </a:rPr>
               <a:t>, </a:t>
             </a:r>
             <a:r>
-              <a:rPr lang="en-GB" sz="1000" err="1">
+              <a:rPr lang="en-GB" sz="1000" dirty="0" err="1">
                 <a:effectLst/>
               </a:rPr>
               <a:t>Levenshtein</a:t>
             </a:r>
             <a:r>
-              <a:rPr lang="en-GB" sz="1000">
+              <a:rPr lang="en-GB" sz="1000" dirty="0">
                 <a:effectLst/>
               </a:rPr>
               <a:t> distance.</a:t>
@@ -6571,25 +6574,25 @@
               </a:lnSpc>
             </a:pPr>
             <a:r>
-              <a:rPr lang="en-GB" sz="1000" b="1">
+              <a:rPr lang="en-GB" sz="1000" b="1" dirty="0">
                 <a:effectLst/>
               </a:rPr>
               <a:t>CMC</a:t>
             </a:r>
             <a:r>
-              <a:rPr lang="en-GB" sz="1000">
+              <a:rPr lang="en-GB" sz="1000" dirty="0">
                 <a:effectLst/>
               </a:rPr>
               <a:t>: </a:t>
             </a:r>
             <a:r>
-              <a:rPr lang="en-GB" sz="1000" i="1">
+              <a:rPr lang="en-GB" sz="1000" i="1" dirty="0">
                 <a:effectLst/>
               </a:rPr>
               <a:t>Changed Method Coverage</a:t>
             </a:r>
             <a:r>
-              <a:rPr lang="en-GB" sz="1000">
+              <a:rPr lang="en-GB" sz="1000" dirty="0">
                 <a:effectLst/>
               </a:rPr>
               <a:t>, ratio between the nr. of changed methods from the previous version and the total nr. of methods in the source code.</a:t>
@@ -6602,25 +6605,25 @@
               </a:lnSpc>
             </a:pPr>
             <a:r>
-              <a:rPr lang="en-GB" sz="1000" b="1">
+              <a:rPr lang="en-GB" sz="1000" b="1" dirty="0">
                 <a:effectLst/>
               </a:rPr>
               <a:t>TM</a:t>
             </a:r>
             <a:r>
-              <a:rPr lang="en-GB" sz="1000">
+              <a:rPr lang="en-GB" sz="1000" dirty="0">
                 <a:effectLst/>
               </a:rPr>
               <a:t>: </a:t>
             </a:r>
             <a:r>
-              <a:rPr lang="en-GB" sz="1000" i="1">
+              <a:rPr lang="en-GB" sz="1000" i="1" dirty="0">
                 <a:effectLst/>
               </a:rPr>
               <a:t>Traditional Historical Fault Detection Metric</a:t>
             </a:r>
             <a:r>
-              <a:rPr lang="en-GB" sz="1000">
+              <a:rPr lang="en-GB" sz="1000" dirty="0">
                 <a:effectLst/>
               </a:rPr>
               <a:t>, obtained by counting the nr. of versions for which a test case has failed previously.</a:t>
@@ -6633,49 +6636,49 @@
               </a:lnSpc>
             </a:pPr>
             <a:r>
-              <a:rPr lang="en-GB" sz="1000" b="1">
+              <a:rPr lang="en-GB" sz="1000" b="1" dirty="0">
                 <a:effectLst/>
               </a:rPr>
               <a:t>IBC</a:t>
             </a:r>
             <a:r>
-              <a:rPr lang="en-GB" sz="1000">
+              <a:rPr lang="en-GB" sz="1000" dirty="0">
                 <a:effectLst/>
               </a:rPr>
               <a:t>: </a:t>
             </a:r>
             <a:r>
-              <a:rPr lang="en-GB" sz="1000" i="1">
+              <a:rPr lang="en-GB" sz="1000" i="1" dirty="0">
                 <a:effectLst/>
               </a:rPr>
               <a:t>Improved Basic Counting</a:t>
             </a:r>
             <a:r>
-              <a:rPr lang="en-GB" sz="1000">
+              <a:rPr lang="en-GB" sz="1000" dirty="0">
                 <a:effectLst/>
               </a:rPr>
               <a:t>, combination of </a:t>
             </a:r>
             <a:r>
-              <a:rPr lang="en-GB" sz="1000" b="1">
+              <a:rPr lang="en-GB" sz="1000" b="1" dirty="0">
                 <a:effectLst/>
               </a:rPr>
               <a:t>BC</a:t>
             </a:r>
             <a:r>
-              <a:rPr lang="en-GB" sz="1000">
+              <a:rPr lang="en-GB" sz="1000" dirty="0">
                 <a:effectLst/>
               </a:rPr>
               <a:t> and </a:t>
             </a:r>
             <a:r>
-              <a:rPr lang="en-GB" sz="1000" b="1">
+              <a:rPr lang="en-GB" sz="1000" b="1" dirty="0">
                 <a:effectLst/>
               </a:rPr>
               <a:t>HD</a:t>
             </a:r>
             <a:r>
-              <a:rPr lang="en-GB" sz="1000">
+              <a:rPr lang="en-GB" sz="1000" dirty="0">
                 <a:effectLst/>
               </a:rPr>
               <a:t>.</a:t>
@@ -6687,7 +6690,7 @@
                 <a:spcPct val="90000"/>
               </a:lnSpc>
             </a:pPr>
-            <a:endParaRPr lang="en-PT" sz="1000"/>
+            <a:endParaRPr lang="en-PT" sz="1000" dirty="0"/>
           </a:p>
         </p:txBody>
       </p:sp>
@@ -6799,86 +6802,26 @@
           <a:chExt cx="0" cy="0"/>
         </a:xfrm>
       </p:grpSpPr>
-      <p:sp useBgFill="1">
-        <p:nvSpPr>
-          <p:cNvPr id="33" name="Rectangle 32">
+      <p:sp>
+        <p:nvSpPr>
+          <p:cNvPr id="2" name="Title 1">
             <a:extLst>
               <a:ext uri="{FF2B5EF4-FFF2-40B4-BE49-F238E27FC236}">
-                <a16:creationId xmlns:a16="http://schemas.microsoft.com/office/drawing/2014/main" id="{43CC7CB0-EA37-4F04-80BC-35C63E987131}"/>
-              </a:ext>
-              <a:ext uri="{C183D7F6-B498-43B3-948B-1728B52AA6E4}">
-                <adec:decorative xmlns:adec="http://schemas.microsoft.com/office/drawing/2017/decorative" val="1"/>
+                <a16:creationId xmlns:a16="http://schemas.microsoft.com/office/drawing/2014/main" id="{1F05A76E-F418-AC4B-893E-BA17872BB369}"/>
               </a:ext>
             </a:extLst>
           </p:cNvPr>
           <p:cNvSpPr>
-            <a:spLocks noGrp="1" noRot="1" noChangeAspect="1" noMove="1" noResize="1" noEditPoints="1" noAdjustHandles="1" noChangeArrowheads="1" noChangeShapeType="1" noTextEdit="1"/>
-          </p:cNvSpPr>
-          <p:nvPr>
-            <p:extLst>
-              <p:ext uri="{386F3935-93C4-4BCD-93E2-E3B085C9AB24}">
-                <p16:designElem xmlns:p16="http://schemas.microsoft.com/office/powerpoint/2015/main" val="1"/>
-              </p:ext>
-            </p:extLst>
+            <a:spLocks noGrp="1"/>
+          </p:cNvSpPr>
+          <p:nvPr>
+            <p:ph type="title"/>
           </p:nvPr>
         </p:nvSpPr>
         <p:spPr>
           <a:xfrm>
-            <a:off x="0" y="0"/>
-            <a:ext cx="12192000" cy="6858000"/>
-          </a:xfrm>
-          <a:prstGeom prst="rect">
-            <a:avLst/>
-          </a:prstGeom>
-          <a:ln>
-            <a:noFill/>
-          </a:ln>
-        </p:spPr>
-        <p:style>
-          <a:lnRef idx="2">
-            <a:schemeClr val="accent1">
-              <a:shade val="50000"/>
-            </a:schemeClr>
-          </a:lnRef>
-          <a:fillRef idx="1">
-            <a:schemeClr val="accent1"/>
-          </a:fillRef>
-          <a:effectRef idx="0">
-            <a:schemeClr val="accent1"/>
-          </a:effectRef>
-          <a:fontRef idx="minor">
-            <a:schemeClr val="lt1"/>
-          </a:fontRef>
-        </p:style>
-        <p:txBody>
-          <a:bodyPr rtlCol="0" anchor="ctr"/>
-          <a:lstStyle/>
-          <a:p>
-            <a:pPr algn="ctr"/>
-            <a:endParaRPr lang="en-US"/>
-          </a:p>
-        </p:txBody>
-      </p:sp>
-      <p:sp>
-        <p:nvSpPr>
-          <p:cNvPr id="2" name="Title 1">
-            <a:extLst>
-              <a:ext uri="{FF2B5EF4-FFF2-40B4-BE49-F238E27FC236}">
-                <a16:creationId xmlns:a16="http://schemas.microsoft.com/office/drawing/2014/main" id="{39B79058-F380-AA40-A14A-1E987631D6C2}"/>
-              </a:ext>
-            </a:extLst>
-          </p:cNvPr>
-          <p:cNvSpPr>
-            <a:spLocks noGrp="1"/>
-          </p:cNvSpPr>
-          <p:nvPr>
-            <p:ph type="title"/>
-          </p:nvPr>
-        </p:nvSpPr>
-        <p:spPr>
-          <a:xfrm>
-            <a:off x="988630" y="4672943"/>
-            <a:ext cx="10200986" cy="1066801"/>
+            <a:off x="1751012" y="4363271"/>
+            <a:ext cx="8676222" cy="1066801"/>
           </a:xfrm>
         </p:spPr>
         <p:txBody>
@@ -6889,7 +6832,7 @@
           <a:p>
             <a:pPr algn="ctr"/>
             <a:r>
-              <a:rPr lang="en-US" sz="4800" dirty="0">
+              <a:rPr lang="en-US" sz="4800">
                 <a:effectLst>
                   <a:glow rad="38100">
                     <a:schemeClr val="bg1">
@@ -6905,87 +6848,26 @@
                   </a:outerShdw>
                 </a:effectLst>
               </a:rPr>
-              <a:t>									APFD</a:t>
-            </a:r>
-          </a:p>
-        </p:txBody>
-      </p:sp>
-      <p:sp>
-        <p:nvSpPr>
-          <p:cNvPr id="35" name="Rectangle 34">
+              <a:t>Classification Metrics</a:t>
+            </a:r>
+          </a:p>
+        </p:txBody>
+      </p:sp>
+      <p:pic>
+        <p:nvPicPr>
+          <p:cNvPr id="7" name="Content Placeholder 6" descr="A screenshot of a cell phone&#10;&#10;Description automatically generated">
             <a:extLst>
               <a:ext uri="{FF2B5EF4-FFF2-40B4-BE49-F238E27FC236}">
-                <a16:creationId xmlns:a16="http://schemas.microsoft.com/office/drawing/2014/main" id="{2C069419-B83B-4E10-A3EF-91A86B5D3570}"/>
-              </a:ext>
-              <a:ext uri="{C183D7F6-B498-43B3-948B-1728B52AA6E4}">
-                <adec:decorative xmlns:adec="http://schemas.microsoft.com/office/drawing/2017/decorative" val="1"/>
-              </a:ext>
-            </a:extLst>
-          </p:cNvPr>
-          <p:cNvSpPr>
-            <a:spLocks noGrp="1" noRot="1" noChangeAspect="1" noMove="1" noResize="1" noEditPoints="1" noAdjustHandles="1" noChangeArrowheads="1" noChangeShapeType="1" noTextEdit="1"/>
-          </p:cNvSpPr>
-          <p:nvPr>
-            <p:extLst>
-              <p:ext uri="{386F3935-93C4-4BCD-93E2-E3B085C9AB24}">
-                <p16:designElem xmlns:p16="http://schemas.microsoft.com/office/powerpoint/2015/main" val="1"/>
-              </p:ext>
-            </p:extLst>
-          </p:nvPr>
-        </p:nvSpPr>
-        <p:spPr>
-          <a:xfrm>
-            <a:off x="0" y="0"/>
-            <a:ext cx="12192000" cy="4273826"/>
-          </a:xfrm>
-          <a:prstGeom prst="rect">
-            <a:avLst/>
-          </a:prstGeom>
-          <a:solidFill>
-            <a:srgbClr val="FFFFFF"/>
-          </a:solidFill>
-          <a:ln>
-            <a:noFill/>
-          </a:ln>
-        </p:spPr>
-        <p:style>
-          <a:lnRef idx="2">
-            <a:schemeClr val="accent1">
-              <a:shade val="50000"/>
-            </a:schemeClr>
-          </a:lnRef>
-          <a:fillRef idx="1">
-            <a:schemeClr val="accent1"/>
-          </a:fillRef>
-          <a:effectRef idx="0">
-            <a:schemeClr val="accent1"/>
-          </a:effectRef>
-          <a:fontRef idx="minor">
-            <a:schemeClr val="lt1"/>
-          </a:fontRef>
-        </p:style>
-        <p:txBody>
-          <a:bodyPr rtlCol="0" anchor="ctr"/>
-          <a:lstStyle/>
-          <a:p>
-            <a:pPr algn="ctr"/>
-            <a:endParaRPr lang="en-US"/>
-          </a:p>
-        </p:txBody>
-      </p:sp>
-      <p:pic>
-        <p:nvPicPr>
-          <p:cNvPr id="7" name="Picture 6" descr="A screenshot of a cell phone&#10;&#10;Description automatically generated">
-            <a:extLst>
-              <a:ext uri="{FF2B5EF4-FFF2-40B4-BE49-F238E27FC236}">
-                <a16:creationId xmlns:a16="http://schemas.microsoft.com/office/drawing/2014/main" id="{A812366C-2F32-0F48-AA34-D637606F1A91}"/>
+                <a16:creationId xmlns:a16="http://schemas.microsoft.com/office/drawing/2014/main" id="{E4F0F6BF-F3C5-EA46-92E5-0F2E1CB565FB}"/>
               </a:ext>
             </a:extLst>
           </p:cNvPr>
           <p:cNvPicPr>
-            <a:picLocks noChangeAspect="1"/>
+            <a:picLocks noGrp="1" noChangeAspect="1"/>
           </p:cNvPicPr>
-          <p:nvPr/>
+          <p:nvPr>
+            <p:ph idx="1"/>
+          </p:nvPr>
         </p:nvPicPr>
         <p:blipFill>
           <a:blip r:embed="rId3"/>
@@ -6995,115 +6877,43 @@
         </p:blipFill>
         <p:spPr>
           <a:xfrm>
-            <a:off x="344708" y="903921"/>
-            <a:ext cx="3718164" cy="2853691"/>
+            <a:off x="635457" y="1704740"/>
+            <a:ext cx="10916463" cy="2538075"/>
           </a:xfrm>
-          <a:prstGeom prst="rect">
-            <a:avLst/>
+          <a:prstGeom prst="roundRect">
+            <a:avLst>
+              <a:gd name="adj" fmla="val 3517"/>
+            </a:avLst>
           </a:prstGeom>
+          <a:ln w="38100">
+            <a:gradFill flip="none" rotWithShape="1">
+              <a:gsLst>
+                <a:gs pos="0">
+                  <a:srgbClr val="363D46"/>
+                </a:gs>
+                <a:gs pos="100000">
+                  <a:srgbClr val="363D46">
+                    <a:lumMod val="75000"/>
+                  </a:srgbClr>
+                </a:gs>
+              </a:gsLst>
+              <a:lin ang="5400000" scaled="0"/>
+              <a:tileRect/>
+            </a:gradFill>
+          </a:ln>
+          <a:effectLst>
+            <a:innerShdw blurRad="57150" dist="38100" dir="14460000">
+              <a:srgbClr val="000000">
+                <a:alpha val="70000"/>
+              </a:srgbClr>
+            </a:innerShdw>
+          </a:effectLst>
         </p:spPr>
       </p:pic>
-      <p:pic>
-        <p:nvPicPr>
-          <p:cNvPr id="5" name="Content Placeholder 4" descr="A screenshot of a cell phone&#10;&#10;Description automatically generated">
-            <a:extLst>
-              <a:ext uri="{FF2B5EF4-FFF2-40B4-BE49-F238E27FC236}">
-                <a16:creationId xmlns:a16="http://schemas.microsoft.com/office/drawing/2014/main" id="{B627C8E9-7B23-664C-86F8-7D97D3152A44}"/>
-              </a:ext>
-            </a:extLst>
-          </p:cNvPr>
-          <p:cNvPicPr>
-            <a:picLocks noGrp="1" noChangeAspect="1"/>
-          </p:cNvPicPr>
-          <p:nvPr>
-            <p:ph idx="1"/>
-          </p:nvPr>
-        </p:nvPicPr>
-        <p:blipFill>
-          <a:blip r:embed="rId4"/>
-          <a:stretch>
-            <a:fillRect/>
-          </a:stretch>
-        </p:blipFill>
-        <p:spPr>
-          <a:xfrm>
-            <a:off x="4237280" y="903922"/>
-            <a:ext cx="3717439" cy="2853134"/>
-          </a:xfrm>
-          <a:prstGeom prst="rect">
-            <a:avLst/>
-          </a:prstGeom>
-        </p:spPr>
-      </p:pic>
-      <p:pic>
-        <p:nvPicPr>
-          <p:cNvPr id="9" name="Picture 8" descr="A screenshot of a cell phone&#10;&#10;Description automatically generated">
-            <a:extLst>
-              <a:ext uri="{FF2B5EF4-FFF2-40B4-BE49-F238E27FC236}">
-                <a16:creationId xmlns:a16="http://schemas.microsoft.com/office/drawing/2014/main" id="{B120465D-AE02-AC4E-B7C7-6A9D93E2D7D3}"/>
-              </a:ext>
-            </a:extLst>
-          </p:cNvPr>
-          <p:cNvPicPr>
-            <a:picLocks noChangeAspect="1"/>
-          </p:cNvPicPr>
-          <p:nvPr/>
-        </p:nvPicPr>
-        <p:blipFill>
-          <a:blip r:embed="rId5"/>
-          <a:stretch>
-            <a:fillRect/>
-          </a:stretch>
-        </p:blipFill>
-        <p:spPr>
-          <a:xfrm>
-            <a:off x="8129127" y="903921"/>
-            <a:ext cx="3717439" cy="2853135"/>
-          </a:xfrm>
-          <a:prstGeom prst="rect">
-            <a:avLst/>
-          </a:prstGeom>
-        </p:spPr>
-      </p:pic>
-      <p:sp>
-        <p:nvSpPr>
-          <p:cNvPr id="15" name="TextBox 14">
-            <a:extLst>
-              <a:ext uri="{FF2B5EF4-FFF2-40B4-BE49-F238E27FC236}">
-                <a16:creationId xmlns:a16="http://schemas.microsoft.com/office/drawing/2014/main" id="{E88A0562-D00C-FE44-A70A-8E9CFE185D71}"/>
-              </a:ext>
-            </a:extLst>
-          </p:cNvPr>
-          <p:cNvSpPr txBox="1"/>
-          <p:nvPr/>
-        </p:nvSpPr>
-        <p:spPr>
-          <a:xfrm>
-            <a:off x="7515225" y="6007397"/>
-            <a:ext cx="3674391" cy="369332"/>
-          </a:xfrm>
-          <a:prstGeom prst="rect">
-            <a:avLst/>
-          </a:prstGeom>
-          <a:noFill/>
-        </p:spPr>
-        <p:txBody>
-          <a:bodyPr wrap="square" rtlCol="0">
-            <a:spAutoFit/>
-          </a:bodyPr>
-          <a:lstStyle/>
-          <a:p>
-            <a:r>
-              <a:rPr lang="en-PT" dirty="0"/>
-              <a:t>Palma et al (2018)</a:t>
-            </a:r>
-          </a:p>
-        </p:txBody>
-      </p:sp>
     </p:spTree>
     <p:extLst>
       <p:ext uri="{BB962C8B-B14F-4D97-AF65-F5344CB8AC3E}">
-        <p14:creationId xmlns:p14="http://schemas.microsoft.com/office/powerpoint/2010/main" val="120765496"/>
+        <p14:creationId xmlns:p14="http://schemas.microsoft.com/office/powerpoint/2010/main" val="1351545843"/>
       </p:ext>
     </p:extLst>
   </p:cSld>
@@ -7158,6 +6968,1058 @@
           <p:cNvPr id="2" name="Title 1">
             <a:extLst>
               <a:ext uri="{FF2B5EF4-FFF2-40B4-BE49-F238E27FC236}">
+                <a16:creationId xmlns:a16="http://schemas.microsoft.com/office/drawing/2014/main" id="{7463A97B-343B-6C41-8C70-C4329AF63B6A}"/>
+              </a:ext>
+            </a:extLst>
+          </p:cNvPr>
+          <p:cNvSpPr>
+            <a:spLocks noGrp="1"/>
+          </p:cNvSpPr>
+          <p:nvPr>
+            <p:ph type="title"/>
+          </p:nvPr>
+        </p:nvSpPr>
+        <p:spPr>
+          <a:xfrm>
+            <a:off x="988630" y="4363271"/>
+            <a:ext cx="10200986" cy="1066801"/>
+          </a:xfrm>
+        </p:spPr>
+        <p:txBody>
+          <a:bodyPr vert="horz" lIns="91440" tIns="45720" rIns="91440" bIns="45720" rtlCol="0" anchor="b">
+            <a:normAutofit/>
+          </a:bodyPr>
+          <a:lstStyle/>
+          <a:p>
+            <a:pPr algn="ctr"/>
+            <a:r>
+              <a:rPr lang="en-US" sz="4800" dirty="0">
+                <a:effectLst>
+                  <a:glow rad="38100">
+                    <a:schemeClr val="bg1">
+                      <a:lumMod val="65000"/>
+                      <a:lumOff val="35000"/>
+                      <a:alpha val="50000"/>
+                    </a:schemeClr>
+                  </a:glow>
+                  <a:outerShdw blurRad="28575" dist="31750" dir="13200000" algn="tl" rotWithShape="0">
+                    <a:srgbClr val="000000">
+                      <a:alpha val="25000"/>
+                    </a:srgbClr>
+                  </a:outerShdw>
+                </a:effectLst>
+              </a:rPr>
+              <a:t>APFD</a:t>
+            </a:r>
+          </a:p>
+        </p:txBody>
+      </p:sp>
+      <p:sp>
+        <p:nvSpPr>
+          <p:cNvPr id="15" name="Rectangle 14">
+            <a:extLst>
+              <a:ext uri="{FF2B5EF4-FFF2-40B4-BE49-F238E27FC236}">
+                <a16:creationId xmlns:a16="http://schemas.microsoft.com/office/drawing/2014/main" id="{2C069419-B83B-4E10-A3EF-91A86B5D3570}"/>
+              </a:ext>
+              <a:ext uri="{C183D7F6-B498-43B3-948B-1728B52AA6E4}">
+                <adec:decorative xmlns:adec="http://schemas.microsoft.com/office/drawing/2017/decorative" val="1"/>
+              </a:ext>
+            </a:extLst>
+          </p:cNvPr>
+          <p:cNvSpPr>
+            <a:spLocks noGrp="1" noRot="1" noChangeAspect="1" noMove="1" noResize="1" noEditPoints="1" noAdjustHandles="1" noChangeArrowheads="1" noChangeShapeType="1" noTextEdit="1"/>
+          </p:cNvSpPr>
+          <p:nvPr>
+            <p:extLst>
+              <p:ext uri="{386F3935-93C4-4BCD-93E2-E3B085C9AB24}">
+                <p16:designElem xmlns:p16="http://schemas.microsoft.com/office/powerpoint/2015/main" val="1"/>
+              </p:ext>
+            </p:extLst>
+          </p:nvPr>
+        </p:nvSpPr>
+        <p:spPr>
+          <a:xfrm>
+            <a:off x="0" y="0"/>
+            <a:ext cx="12192000" cy="4273826"/>
+          </a:xfrm>
+          <a:prstGeom prst="rect">
+            <a:avLst/>
+          </a:prstGeom>
+          <a:solidFill>
+            <a:srgbClr val="FFFFFF"/>
+          </a:solidFill>
+          <a:ln>
+            <a:noFill/>
+          </a:ln>
+        </p:spPr>
+        <p:style>
+          <a:lnRef idx="2">
+            <a:schemeClr val="accent1">
+              <a:shade val="50000"/>
+            </a:schemeClr>
+          </a:lnRef>
+          <a:fillRef idx="1">
+            <a:schemeClr val="accent1"/>
+          </a:fillRef>
+          <a:effectRef idx="0">
+            <a:schemeClr val="accent1"/>
+          </a:effectRef>
+          <a:fontRef idx="minor">
+            <a:schemeClr val="lt1"/>
+          </a:fontRef>
+        </p:style>
+        <p:txBody>
+          <a:bodyPr rtlCol="0" anchor="ctr"/>
+          <a:lstStyle/>
+          <a:p>
+            <a:pPr algn="ctr"/>
+            <a:endParaRPr lang="en-US"/>
+          </a:p>
+        </p:txBody>
+      </p:sp>
+      <p:pic>
+        <p:nvPicPr>
+          <p:cNvPr id="5" name="Content Placeholder 4" descr="A screenshot of a cell phone&#10;&#10;Description automatically generated">
+            <a:extLst>
+              <a:ext uri="{FF2B5EF4-FFF2-40B4-BE49-F238E27FC236}">
+                <a16:creationId xmlns:a16="http://schemas.microsoft.com/office/drawing/2014/main" id="{62B10922-0602-9F4B-8964-889235DEFFFD}"/>
+              </a:ext>
+            </a:extLst>
+          </p:cNvPr>
+          <p:cNvPicPr>
+            <a:picLocks noChangeAspect="1"/>
+          </p:cNvPicPr>
+          <p:nvPr/>
+        </p:nvPicPr>
+        <p:blipFill>
+          <a:blip r:embed="rId3"/>
+          <a:stretch>
+            <a:fillRect/>
+          </a:stretch>
+        </p:blipFill>
+        <p:spPr>
+          <a:xfrm>
+            <a:off x="86753" y="1419589"/>
+            <a:ext cx="6299760" cy="1637936"/>
+          </a:xfrm>
+          <a:prstGeom prst="rect">
+            <a:avLst/>
+          </a:prstGeom>
+        </p:spPr>
+      </p:pic>
+      <p:pic>
+        <p:nvPicPr>
+          <p:cNvPr id="10" name="Content Placeholder 9" descr="A close up of a logo&#10;&#10;Description automatically generated">
+            <a:extLst>
+              <a:ext uri="{FF2B5EF4-FFF2-40B4-BE49-F238E27FC236}">
+                <a16:creationId xmlns:a16="http://schemas.microsoft.com/office/drawing/2014/main" id="{BB2A6450-A7FA-B347-93A8-F9E837FAA8A4}"/>
+              </a:ext>
+            </a:extLst>
+          </p:cNvPr>
+          <p:cNvPicPr>
+            <a:picLocks noGrp="1" noChangeAspect="1"/>
+          </p:cNvPicPr>
+          <p:nvPr>
+            <p:ph idx="1"/>
+          </p:nvPr>
+        </p:nvPicPr>
+        <p:blipFill>
+          <a:blip r:embed="rId4"/>
+          <a:stretch>
+            <a:fillRect/>
+          </a:stretch>
+        </p:blipFill>
+        <p:spPr>
+          <a:xfrm>
+            <a:off x="6833448" y="841398"/>
+            <a:ext cx="5213603" cy="1173059"/>
+          </a:xfrm>
+          <a:prstGeom prst="rect">
+            <a:avLst/>
+          </a:prstGeom>
+        </p:spPr>
+      </p:pic>
+      <p:sp>
+        <p:nvSpPr>
+          <p:cNvPr id="17" name="TextBox 16">
+            <a:extLst>
+              <a:ext uri="{FF2B5EF4-FFF2-40B4-BE49-F238E27FC236}">
+                <a16:creationId xmlns:a16="http://schemas.microsoft.com/office/drawing/2014/main" id="{7A951AF7-429A-CD42-AA16-16D594F1D63A}"/>
+              </a:ext>
+            </a:extLst>
+          </p:cNvPr>
+          <p:cNvSpPr txBox="1"/>
+          <p:nvPr/>
+        </p:nvSpPr>
+        <p:spPr>
+          <a:xfrm>
+            <a:off x="6722370" y="2394441"/>
+            <a:ext cx="5435760" cy="1499401"/>
+          </a:xfrm>
+          <a:prstGeom prst="rect">
+            <a:avLst/>
+          </a:prstGeom>
+        </p:spPr>
+        <p:txBody>
+          <a:bodyPr vert="horz" lIns="91440" tIns="45720" rIns="91440" bIns="45720" rtlCol="0" anchor="ctr">
+            <a:normAutofit/>
+          </a:bodyPr>
+          <a:lstStyle/>
+          <a:p>
+            <a:pPr marL="285750" indent="-285750">
+              <a:spcBef>
+                <a:spcPct val="20000"/>
+              </a:spcBef>
+              <a:spcAft>
+                <a:spcPts val="600"/>
+              </a:spcAft>
+              <a:buClr>
+                <a:schemeClr val="tx1"/>
+              </a:buClr>
+              <a:buSzPct val="100000"/>
+              <a:buFont typeface="Arial"/>
+              <a:buChar char="•"/>
+            </a:pPr>
+            <a:r>
+              <a:rPr lang="en-US" b="1" i="1" cap="small" dirty="0">
+                <a:solidFill>
+                  <a:schemeClr val="bg1"/>
+                </a:solidFill>
+                <a:effectLst>
+                  <a:glow rad="38100">
+                    <a:schemeClr val="bg1">
+                      <a:lumMod val="50000"/>
+                      <a:lumOff val="50000"/>
+                      <a:alpha val="20000"/>
+                    </a:schemeClr>
+                  </a:glow>
+                  <a:outerShdw blurRad="44450" dist="12700" dir="13860000" algn="tl" rotWithShape="0">
+                    <a:srgbClr val="000000">
+                      <a:alpha val="20000"/>
+                    </a:srgbClr>
+                  </a:outerShdw>
+                </a:effectLst>
+              </a:rPr>
+              <a:t>n </a:t>
+            </a:r>
+            <a:r>
+              <a:rPr lang="en-US" i="1" cap="small" dirty="0">
+                <a:solidFill>
+                  <a:schemeClr val="bg1"/>
+                </a:solidFill>
+                <a:effectLst>
+                  <a:glow rad="38100">
+                    <a:schemeClr val="bg1">
+                      <a:lumMod val="50000"/>
+                      <a:lumOff val="50000"/>
+                      <a:alpha val="20000"/>
+                    </a:schemeClr>
+                  </a:glow>
+                  <a:outerShdw blurRad="44450" dist="12700" dir="13860000" algn="tl" rotWithShape="0">
+                    <a:srgbClr val="000000">
+                      <a:alpha val="20000"/>
+                    </a:srgbClr>
+                  </a:outerShdw>
+                </a:effectLst>
+              </a:rPr>
+              <a:t>– </a:t>
+            </a:r>
+            <a:r>
+              <a:rPr lang="en-US" cap="small" dirty="0">
+                <a:solidFill>
+                  <a:schemeClr val="bg1"/>
+                </a:solidFill>
+                <a:effectLst>
+                  <a:glow rad="38100">
+                    <a:schemeClr val="bg1">
+                      <a:lumMod val="50000"/>
+                      <a:lumOff val="50000"/>
+                      <a:alpha val="20000"/>
+                    </a:schemeClr>
+                  </a:glow>
+                  <a:outerShdw blurRad="44450" dist="12700" dir="13860000" algn="tl" rotWithShape="0">
+                    <a:srgbClr val="000000">
+                      <a:alpha val="20000"/>
+                    </a:srgbClr>
+                  </a:outerShdw>
+                </a:effectLst>
+              </a:rPr>
+              <a:t>number of test cases</a:t>
+            </a:r>
+          </a:p>
+          <a:p>
+            <a:pPr marL="285750" indent="-285750">
+              <a:spcBef>
+                <a:spcPct val="20000"/>
+              </a:spcBef>
+              <a:spcAft>
+                <a:spcPts val="600"/>
+              </a:spcAft>
+              <a:buClr>
+                <a:schemeClr val="tx1"/>
+              </a:buClr>
+              <a:buSzPct val="100000"/>
+              <a:buFont typeface="Arial"/>
+              <a:buChar char="•"/>
+            </a:pPr>
+            <a:r>
+              <a:rPr lang="en-US" b="1" i="1" cap="small" dirty="0">
+                <a:solidFill>
+                  <a:schemeClr val="bg1"/>
+                </a:solidFill>
+                <a:effectLst>
+                  <a:glow rad="38100">
+                    <a:schemeClr val="bg1">
+                      <a:lumMod val="50000"/>
+                      <a:lumOff val="50000"/>
+                      <a:alpha val="20000"/>
+                    </a:schemeClr>
+                  </a:glow>
+                  <a:outerShdw blurRad="44450" dist="12700" dir="13860000" algn="tl" rotWithShape="0">
+                    <a:srgbClr val="000000">
+                      <a:alpha val="20000"/>
+                    </a:srgbClr>
+                  </a:outerShdw>
+                </a:effectLst>
+              </a:rPr>
+              <a:t>m</a:t>
+            </a:r>
+            <a:r>
+              <a:rPr lang="en-US" b="1" cap="small" dirty="0">
+                <a:solidFill>
+                  <a:schemeClr val="bg1"/>
+                </a:solidFill>
+                <a:effectLst>
+                  <a:glow rad="38100">
+                    <a:schemeClr val="bg1">
+                      <a:lumMod val="50000"/>
+                      <a:lumOff val="50000"/>
+                      <a:alpha val="20000"/>
+                    </a:schemeClr>
+                  </a:glow>
+                  <a:outerShdw blurRad="44450" dist="12700" dir="13860000" algn="tl" rotWithShape="0">
+                    <a:srgbClr val="000000">
+                      <a:alpha val="20000"/>
+                    </a:srgbClr>
+                  </a:outerShdw>
+                </a:effectLst>
+              </a:rPr>
+              <a:t> </a:t>
+            </a:r>
+            <a:r>
+              <a:rPr lang="en-US" cap="small" dirty="0">
+                <a:solidFill>
+                  <a:schemeClr val="bg1"/>
+                </a:solidFill>
+                <a:effectLst>
+                  <a:glow rad="38100">
+                    <a:schemeClr val="bg1">
+                      <a:lumMod val="50000"/>
+                      <a:lumOff val="50000"/>
+                      <a:alpha val="20000"/>
+                    </a:schemeClr>
+                  </a:glow>
+                  <a:outerShdw blurRad="44450" dist="12700" dir="13860000" algn="tl" rotWithShape="0">
+                    <a:srgbClr val="000000">
+                      <a:alpha val="20000"/>
+                    </a:srgbClr>
+                  </a:outerShdw>
+                </a:effectLst>
+              </a:rPr>
+              <a:t>– total number of faults</a:t>
+            </a:r>
+          </a:p>
+          <a:p>
+            <a:pPr marL="285750" indent="-285750">
+              <a:spcBef>
+                <a:spcPct val="20000"/>
+              </a:spcBef>
+              <a:spcAft>
+                <a:spcPts val="600"/>
+              </a:spcAft>
+              <a:buClr>
+                <a:schemeClr val="tx1"/>
+              </a:buClr>
+              <a:buSzPct val="100000"/>
+              <a:buFont typeface="Arial"/>
+              <a:buChar char="•"/>
+            </a:pPr>
+            <a:r>
+              <a:rPr lang="en-US" b="1" i="1" cap="small" dirty="0" err="1">
+                <a:solidFill>
+                  <a:schemeClr val="bg1"/>
+                </a:solidFill>
+                <a:effectLst>
+                  <a:glow rad="38100">
+                    <a:schemeClr val="bg1">
+                      <a:lumMod val="50000"/>
+                      <a:lumOff val="50000"/>
+                      <a:alpha val="20000"/>
+                    </a:schemeClr>
+                  </a:glow>
+                  <a:outerShdw blurRad="44450" dist="12700" dir="13860000" algn="tl" rotWithShape="0">
+                    <a:srgbClr val="000000">
+                      <a:alpha val="20000"/>
+                    </a:srgbClr>
+                  </a:outerShdw>
+                </a:effectLst>
+              </a:rPr>
+              <a:t>TF</a:t>
+            </a:r>
+            <a:r>
+              <a:rPr lang="en-US" b="1" i="1" cap="small" baseline="-25000" dirty="0" err="1">
+                <a:solidFill>
+                  <a:schemeClr val="bg1"/>
+                </a:solidFill>
+                <a:effectLst>
+                  <a:glow rad="38100">
+                    <a:schemeClr val="bg1">
+                      <a:lumMod val="50000"/>
+                      <a:lumOff val="50000"/>
+                      <a:alpha val="20000"/>
+                    </a:schemeClr>
+                  </a:glow>
+                  <a:outerShdw blurRad="44450" dist="12700" dir="13860000" algn="tl" rotWithShape="0">
+                    <a:srgbClr val="000000">
+                      <a:alpha val="20000"/>
+                    </a:srgbClr>
+                  </a:outerShdw>
+                </a:effectLst>
+              </a:rPr>
+              <a:t>i</a:t>
+            </a:r>
+            <a:r>
+              <a:rPr lang="en-US" b="1" i="1" cap="small" dirty="0">
+                <a:solidFill>
+                  <a:schemeClr val="bg1"/>
+                </a:solidFill>
+                <a:effectLst>
+                  <a:glow rad="38100">
+                    <a:schemeClr val="bg1">
+                      <a:lumMod val="50000"/>
+                      <a:lumOff val="50000"/>
+                      <a:alpha val="20000"/>
+                    </a:schemeClr>
+                  </a:glow>
+                  <a:outerShdw blurRad="44450" dist="12700" dir="13860000" algn="tl" rotWithShape="0">
+                    <a:srgbClr val="000000">
+                      <a:alpha val="20000"/>
+                    </a:srgbClr>
+                  </a:outerShdw>
+                </a:effectLst>
+              </a:rPr>
+              <a:t> </a:t>
+            </a:r>
+            <a:r>
+              <a:rPr lang="en-US" i="1" cap="small" dirty="0">
+                <a:solidFill>
+                  <a:schemeClr val="bg1"/>
+                </a:solidFill>
+                <a:effectLst>
+                  <a:glow rad="38100">
+                    <a:schemeClr val="bg1">
+                      <a:lumMod val="50000"/>
+                      <a:lumOff val="50000"/>
+                      <a:alpha val="20000"/>
+                    </a:schemeClr>
+                  </a:glow>
+                  <a:outerShdw blurRad="44450" dist="12700" dir="13860000" algn="tl" rotWithShape="0">
+                    <a:srgbClr val="000000">
+                      <a:alpha val="20000"/>
+                    </a:srgbClr>
+                  </a:outerShdw>
+                </a:effectLst>
+              </a:rPr>
+              <a:t> </a:t>
+            </a:r>
+            <a:r>
+              <a:rPr lang="en-US" cap="small" dirty="0">
+                <a:solidFill>
+                  <a:schemeClr val="bg1"/>
+                </a:solidFill>
+                <a:effectLst>
+                  <a:glow rad="38100">
+                    <a:schemeClr val="bg1">
+                      <a:lumMod val="50000"/>
+                      <a:lumOff val="50000"/>
+                      <a:alpha val="20000"/>
+                    </a:schemeClr>
+                  </a:glow>
+                  <a:outerShdw blurRad="44450" dist="12700" dir="13860000" algn="tl" rotWithShape="0">
+                    <a:srgbClr val="000000">
+                      <a:alpha val="20000"/>
+                    </a:srgbClr>
+                  </a:outerShdw>
+                </a:effectLst>
+              </a:rPr>
+              <a:t>- position of the first test case that </a:t>
+            </a:r>
+            <a:r>
+              <a:rPr lang="en-US" cap="small" dirty="0" err="1">
+                <a:solidFill>
+                  <a:schemeClr val="bg1"/>
+                </a:solidFill>
+                <a:effectLst>
+                  <a:glow rad="38100">
+                    <a:schemeClr val="bg1">
+                      <a:lumMod val="50000"/>
+                      <a:lumOff val="50000"/>
+                      <a:alpha val="20000"/>
+                    </a:schemeClr>
+                  </a:glow>
+                  <a:outerShdw blurRad="44450" dist="12700" dir="13860000" algn="tl" rotWithShape="0">
+                    <a:srgbClr val="000000">
+                      <a:alpha val="20000"/>
+                    </a:srgbClr>
+                  </a:outerShdw>
+                </a:effectLst>
+              </a:rPr>
+              <a:t>reveales</a:t>
+            </a:r>
+            <a:r>
+              <a:rPr lang="en-US" cap="small" dirty="0">
+                <a:solidFill>
+                  <a:schemeClr val="bg1"/>
+                </a:solidFill>
+                <a:effectLst>
+                  <a:glow rad="38100">
+                    <a:schemeClr val="bg1">
+                      <a:lumMod val="50000"/>
+                      <a:lumOff val="50000"/>
+                      <a:alpha val="20000"/>
+                    </a:schemeClr>
+                  </a:glow>
+                  <a:outerShdw blurRad="44450" dist="12700" dir="13860000" algn="tl" rotWithShape="0">
+                    <a:srgbClr val="000000">
+                      <a:alpha val="20000"/>
+                    </a:srgbClr>
+                  </a:outerShdw>
+                </a:effectLst>
+              </a:rPr>
+              <a:t> the </a:t>
+            </a:r>
+            <a:r>
+              <a:rPr lang="en-US" i="1" cap="small" dirty="0" err="1">
+                <a:solidFill>
+                  <a:schemeClr val="bg1"/>
+                </a:solidFill>
+                <a:effectLst>
+                  <a:glow rad="38100">
+                    <a:schemeClr val="bg1">
+                      <a:lumMod val="50000"/>
+                      <a:lumOff val="50000"/>
+                      <a:alpha val="20000"/>
+                    </a:schemeClr>
+                  </a:glow>
+                  <a:outerShdw blurRad="44450" dist="12700" dir="13860000" algn="tl" rotWithShape="0">
+                    <a:srgbClr val="000000">
+                      <a:alpha val="20000"/>
+                    </a:srgbClr>
+                  </a:outerShdw>
+                </a:effectLst>
+              </a:rPr>
+              <a:t>i</a:t>
+            </a:r>
+            <a:r>
+              <a:rPr lang="en-US" i="1" cap="small" baseline="30000" dirty="0" err="1">
+                <a:solidFill>
+                  <a:schemeClr val="bg1"/>
+                </a:solidFill>
+                <a:effectLst>
+                  <a:glow rad="38100">
+                    <a:schemeClr val="bg1">
+                      <a:lumMod val="50000"/>
+                      <a:lumOff val="50000"/>
+                      <a:alpha val="20000"/>
+                    </a:schemeClr>
+                  </a:glow>
+                  <a:outerShdw blurRad="44450" dist="12700" dir="13860000" algn="tl" rotWithShape="0">
+                    <a:srgbClr val="000000">
+                      <a:alpha val="20000"/>
+                    </a:srgbClr>
+                  </a:outerShdw>
+                </a:effectLst>
+              </a:rPr>
+              <a:t>th</a:t>
+            </a:r>
+            <a:r>
+              <a:rPr lang="en-US" i="1" cap="small" baseline="30000" dirty="0">
+                <a:solidFill>
+                  <a:schemeClr val="bg1"/>
+                </a:solidFill>
+                <a:effectLst>
+                  <a:glow rad="38100">
+                    <a:schemeClr val="bg1">
+                      <a:lumMod val="50000"/>
+                      <a:lumOff val="50000"/>
+                      <a:alpha val="20000"/>
+                    </a:schemeClr>
+                  </a:glow>
+                  <a:outerShdw blurRad="44450" dist="12700" dir="13860000" algn="tl" rotWithShape="0">
+                    <a:srgbClr val="000000">
+                      <a:alpha val="20000"/>
+                    </a:srgbClr>
+                  </a:outerShdw>
+                </a:effectLst>
+              </a:rPr>
+              <a:t> </a:t>
+            </a:r>
+            <a:r>
+              <a:rPr lang="en-US" cap="small" dirty="0">
+                <a:solidFill>
+                  <a:schemeClr val="bg1"/>
+                </a:solidFill>
+                <a:effectLst>
+                  <a:glow rad="38100">
+                    <a:schemeClr val="bg1">
+                      <a:lumMod val="50000"/>
+                      <a:lumOff val="50000"/>
+                      <a:alpha val="20000"/>
+                    </a:schemeClr>
+                  </a:glow>
+                  <a:outerShdw blurRad="44450" dist="12700" dir="13860000" algn="tl" rotWithShape="0">
+                    <a:srgbClr val="000000">
+                      <a:alpha val="20000"/>
+                    </a:srgbClr>
+                  </a:outerShdw>
+                </a:effectLst>
+              </a:rPr>
+              <a:t>fault</a:t>
+            </a:r>
+            <a:endParaRPr lang="en-US" cap="small" baseline="30000" dirty="0">
+              <a:solidFill>
+                <a:schemeClr val="bg1"/>
+              </a:solidFill>
+              <a:effectLst>
+                <a:glow rad="38100">
+                  <a:schemeClr val="bg1">
+                    <a:lumMod val="50000"/>
+                    <a:lumOff val="50000"/>
+                    <a:alpha val="20000"/>
+                  </a:schemeClr>
+                </a:glow>
+                <a:outerShdw blurRad="44450" dist="12700" dir="13860000" algn="tl" rotWithShape="0">
+                  <a:srgbClr val="000000">
+                    <a:alpha val="20000"/>
+                  </a:srgbClr>
+                </a:outerShdw>
+              </a:effectLst>
+            </a:endParaRPr>
+          </a:p>
+        </p:txBody>
+      </p:sp>
+    </p:spTree>
+    <p:extLst>
+      <p:ext uri="{BB962C8B-B14F-4D97-AF65-F5344CB8AC3E}">
+        <p14:creationId xmlns:p14="http://schemas.microsoft.com/office/powerpoint/2010/main" val="2056298510"/>
+      </p:ext>
+    </p:extLst>
+  </p:cSld>
+  <p:clrMapOvr>
+    <a:masterClrMapping/>
+  </p:clrMapOvr>
+</p:sld>
+</file>
+
+<file path=ppt/slides/slide5.xml><?xml version="1.0" encoding="utf-8"?>
+<p:sld xmlns:a="http://schemas.openxmlformats.org/drawingml/2006/main" xmlns:r="http://schemas.openxmlformats.org/officeDocument/2006/relationships" xmlns:p="http://schemas.openxmlformats.org/presentationml/2006/main">
+  <p:cSld>
+    <p:bg>
+      <p:bgPr>
+        <a:blipFill rotWithShape="1">
+          <a:blip r:embed="rId2">
+            <a:duotone>
+              <a:schemeClr val="bg2">
+                <a:shade val="28000"/>
+                <a:satMod val="94000"/>
+                <a:lumMod val="20000"/>
+              </a:schemeClr>
+              <a:schemeClr val="bg2">
+                <a:tint val="94000"/>
+                <a:shade val="84000"/>
+                <a:satMod val="148000"/>
+                <a:lumMod val="114000"/>
+              </a:schemeClr>
+            </a:duotone>
+          </a:blip>
+          <a:stretch/>
+        </a:blipFill>
+        <a:effectLst/>
+      </p:bgPr>
+    </p:bg>
+    <p:spTree>
+      <p:nvGrpSpPr>
+        <p:cNvPr id="1" name=""/>
+        <p:cNvGrpSpPr/>
+        <p:nvPr/>
+      </p:nvGrpSpPr>
+      <p:grpSpPr>
+        <a:xfrm>
+          <a:off x="0" y="0"/>
+          <a:ext cx="0" cy="0"/>
+          <a:chOff x="0" y="0"/>
+          <a:chExt cx="0" cy="0"/>
+        </a:xfrm>
+      </p:grpSpPr>
+      <p:sp useBgFill="1">
+        <p:nvSpPr>
+          <p:cNvPr id="33" name="Rectangle 32">
+            <a:extLst>
+              <a:ext uri="{FF2B5EF4-FFF2-40B4-BE49-F238E27FC236}">
+                <a16:creationId xmlns:a16="http://schemas.microsoft.com/office/drawing/2014/main" id="{43CC7CB0-EA37-4F04-80BC-35C63E987131}"/>
+              </a:ext>
+              <a:ext uri="{C183D7F6-B498-43B3-948B-1728B52AA6E4}">
+                <adec:decorative xmlns:adec="http://schemas.microsoft.com/office/drawing/2017/decorative" val="1"/>
+              </a:ext>
+            </a:extLst>
+          </p:cNvPr>
+          <p:cNvSpPr>
+            <a:spLocks noGrp="1" noRot="1" noChangeAspect="1" noMove="1" noResize="1" noEditPoints="1" noAdjustHandles="1" noChangeArrowheads="1" noChangeShapeType="1" noTextEdit="1"/>
+          </p:cNvSpPr>
+          <p:nvPr>
+            <p:extLst>
+              <p:ext uri="{386F3935-93C4-4BCD-93E2-E3B085C9AB24}">
+                <p16:designElem xmlns:p16="http://schemas.microsoft.com/office/powerpoint/2015/main" val="1"/>
+              </p:ext>
+            </p:extLst>
+          </p:nvPr>
+        </p:nvSpPr>
+        <p:spPr>
+          <a:xfrm>
+            <a:off x="0" y="0"/>
+            <a:ext cx="12192000" cy="6858000"/>
+          </a:xfrm>
+          <a:prstGeom prst="rect">
+            <a:avLst/>
+          </a:prstGeom>
+          <a:ln>
+            <a:noFill/>
+          </a:ln>
+        </p:spPr>
+        <p:style>
+          <a:lnRef idx="2">
+            <a:schemeClr val="accent1">
+              <a:shade val="50000"/>
+            </a:schemeClr>
+          </a:lnRef>
+          <a:fillRef idx="1">
+            <a:schemeClr val="accent1"/>
+          </a:fillRef>
+          <a:effectRef idx="0">
+            <a:schemeClr val="accent1"/>
+          </a:effectRef>
+          <a:fontRef idx="minor">
+            <a:schemeClr val="lt1"/>
+          </a:fontRef>
+        </p:style>
+        <p:txBody>
+          <a:bodyPr rtlCol="0" anchor="ctr"/>
+          <a:lstStyle/>
+          <a:p>
+            <a:pPr algn="ctr"/>
+            <a:endParaRPr lang="en-US"/>
+          </a:p>
+        </p:txBody>
+      </p:sp>
+      <p:sp>
+        <p:nvSpPr>
+          <p:cNvPr id="2" name="Title 1">
+            <a:extLst>
+              <a:ext uri="{FF2B5EF4-FFF2-40B4-BE49-F238E27FC236}">
+                <a16:creationId xmlns:a16="http://schemas.microsoft.com/office/drawing/2014/main" id="{39B79058-F380-AA40-A14A-1E987631D6C2}"/>
+              </a:ext>
+            </a:extLst>
+          </p:cNvPr>
+          <p:cNvSpPr>
+            <a:spLocks noGrp="1"/>
+          </p:cNvSpPr>
+          <p:nvPr>
+            <p:ph type="title"/>
+          </p:nvPr>
+        </p:nvSpPr>
+        <p:spPr>
+          <a:xfrm>
+            <a:off x="988630" y="4672943"/>
+            <a:ext cx="10200986" cy="1066801"/>
+          </a:xfrm>
+        </p:spPr>
+        <p:txBody>
+          <a:bodyPr vert="horz" lIns="91440" tIns="45720" rIns="91440" bIns="45720" rtlCol="0" anchor="b">
+            <a:normAutofit/>
+          </a:bodyPr>
+          <a:lstStyle/>
+          <a:p>
+            <a:pPr algn="ctr"/>
+            <a:r>
+              <a:rPr lang="en-US" sz="4800" dirty="0">
+                <a:effectLst>
+                  <a:glow rad="38100">
+                    <a:schemeClr val="bg1">
+                      <a:lumMod val="65000"/>
+                      <a:lumOff val="35000"/>
+                      <a:alpha val="50000"/>
+                    </a:schemeClr>
+                  </a:glow>
+                  <a:outerShdw blurRad="28575" dist="31750" dir="13200000" algn="tl" rotWithShape="0">
+                    <a:srgbClr val="000000">
+                      <a:alpha val="25000"/>
+                    </a:srgbClr>
+                  </a:outerShdw>
+                </a:effectLst>
+              </a:rPr>
+              <a:t>									APFD</a:t>
+            </a:r>
+          </a:p>
+        </p:txBody>
+      </p:sp>
+      <p:sp>
+        <p:nvSpPr>
+          <p:cNvPr id="35" name="Rectangle 34">
+            <a:extLst>
+              <a:ext uri="{FF2B5EF4-FFF2-40B4-BE49-F238E27FC236}">
+                <a16:creationId xmlns:a16="http://schemas.microsoft.com/office/drawing/2014/main" id="{2C069419-B83B-4E10-A3EF-91A86B5D3570}"/>
+              </a:ext>
+              <a:ext uri="{C183D7F6-B498-43B3-948B-1728B52AA6E4}">
+                <adec:decorative xmlns:adec="http://schemas.microsoft.com/office/drawing/2017/decorative" val="1"/>
+              </a:ext>
+            </a:extLst>
+          </p:cNvPr>
+          <p:cNvSpPr>
+            <a:spLocks noGrp="1" noRot="1" noChangeAspect="1" noMove="1" noResize="1" noEditPoints="1" noAdjustHandles="1" noChangeArrowheads="1" noChangeShapeType="1" noTextEdit="1"/>
+          </p:cNvSpPr>
+          <p:nvPr>
+            <p:extLst>
+              <p:ext uri="{386F3935-93C4-4BCD-93E2-E3B085C9AB24}">
+                <p16:designElem xmlns:p16="http://schemas.microsoft.com/office/powerpoint/2015/main" val="1"/>
+              </p:ext>
+            </p:extLst>
+          </p:nvPr>
+        </p:nvSpPr>
+        <p:spPr>
+          <a:xfrm>
+            <a:off x="0" y="0"/>
+            <a:ext cx="12192000" cy="4273826"/>
+          </a:xfrm>
+          <a:prstGeom prst="rect">
+            <a:avLst/>
+          </a:prstGeom>
+          <a:solidFill>
+            <a:srgbClr val="FFFFFF"/>
+          </a:solidFill>
+          <a:ln>
+            <a:noFill/>
+          </a:ln>
+        </p:spPr>
+        <p:style>
+          <a:lnRef idx="2">
+            <a:schemeClr val="accent1">
+              <a:shade val="50000"/>
+            </a:schemeClr>
+          </a:lnRef>
+          <a:fillRef idx="1">
+            <a:schemeClr val="accent1"/>
+          </a:fillRef>
+          <a:effectRef idx="0">
+            <a:schemeClr val="accent1"/>
+          </a:effectRef>
+          <a:fontRef idx="minor">
+            <a:schemeClr val="lt1"/>
+          </a:fontRef>
+        </p:style>
+        <p:txBody>
+          <a:bodyPr rtlCol="0" anchor="ctr"/>
+          <a:lstStyle/>
+          <a:p>
+            <a:pPr algn="ctr"/>
+            <a:endParaRPr lang="en-US"/>
+          </a:p>
+        </p:txBody>
+      </p:sp>
+      <p:pic>
+        <p:nvPicPr>
+          <p:cNvPr id="7" name="Picture 6" descr="A screenshot of a cell phone&#10;&#10;Description automatically generated">
+            <a:extLst>
+              <a:ext uri="{FF2B5EF4-FFF2-40B4-BE49-F238E27FC236}">
+                <a16:creationId xmlns:a16="http://schemas.microsoft.com/office/drawing/2014/main" id="{A812366C-2F32-0F48-AA34-D637606F1A91}"/>
+              </a:ext>
+            </a:extLst>
+          </p:cNvPr>
+          <p:cNvPicPr>
+            <a:picLocks noChangeAspect="1"/>
+          </p:cNvPicPr>
+          <p:nvPr/>
+        </p:nvPicPr>
+        <p:blipFill>
+          <a:blip r:embed="rId3"/>
+          <a:stretch>
+            <a:fillRect/>
+          </a:stretch>
+        </p:blipFill>
+        <p:spPr>
+          <a:xfrm>
+            <a:off x="344708" y="903921"/>
+            <a:ext cx="3718164" cy="2853691"/>
+          </a:xfrm>
+          <a:prstGeom prst="rect">
+            <a:avLst/>
+          </a:prstGeom>
+        </p:spPr>
+      </p:pic>
+      <p:pic>
+        <p:nvPicPr>
+          <p:cNvPr id="5" name="Content Placeholder 4" descr="A screenshot of a cell phone&#10;&#10;Description automatically generated">
+            <a:extLst>
+              <a:ext uri="{FF2B5EF4-FFF2-40B4-BE49-F238E27FC236}">
+                <a16:creationId xmlns:a16="http://schemas.microsoft.com/office/drawing/2014/main" id="{B627C8E9-7B23-664C-86F8-7D97D3152A44}"/>
+              </a:ext>
+            </a:extLst>
+          </p:cNvPr>
+          <p:cNvPicPr>
+            <a:picLocks noGrp="1" noChangeAspect="1"/>
+          </p:cNvPicPr>
+          <p:nvPr>
+            <p:ph idx="1"/>
+          </p:nvPr>
+        </p:nvPicPr>
+        <p:blipFill>
+          <a:blip r:embed="rId4"/>
+          <a:stretch>
+            <a:fillRect/>
+          </a:stretch>
+        </p:blipFill>
+        <p:spPr>
+          <a:xfrm>
+            <a:off x="4237280" y="903922"/>
+            <a:ext cx="3717439" cy="2853134"/>
+          </a:xfrm>
+          <a:prstGeom prst="rect">
+            <a:avLst/>
+          </a:prstGeom>
+        </p:spPr>
+      </p:pic>
+      <p:pic>
+        <p:nvPicPr>
+          <p:cNvPr id="9" name="Picture 8" descr="A screenshot of a cell phone&#10;&#10;Description automatically generated">
+            <a:extLst>
+              <a:ext uri="{FF2B5EF4-FFF2-40B4-BE49-F238E27FC236}">
+                <a16:creationId xmlns:a16="http://schemas.microsoft.com/office/drawing/2014/main" id="{B120465D-AE02-AC4E-B7C7-6A9D93E2D7D3}"/>
+              </a:ext>
+            </a:extLst>
+          </p:cNvPr>
+          <p:cNvPicPr>
+            <a:picLocks noChangeAspect="1"/>
+          </p:cNvPicPr>
+          <p:nvPr/>
+        </p:nvPicPr>
+        <p:blipFill>
+          <a:blip r:embed="rId5"/>
+          <a:stretch>
+            <a:fillRect/>
+          </a:stretch>
+        </p:blipFill>
+        <p:spPr>
+          <a:xfrm>
+            <a:off x="8129127" y="903921"/>
+            <a:ext cx="3717439" cy="2853135"/>
+          </a:xfrm>
+          <a:prstGeom prst="rect">
+            <a:avLst/>
+          </a:prstGeom>
+        </p:spPr>
+      </p:pic>
+      <p:sp>
+        <p:nvSpPr>
+          <p:cNvPr id="15" name="TextBox 14">
+            <a:extLst>
+              <a:ext uri="{FF2B5EF4-FFF2-40B4-BE49-F238E27FC236}">
+                <a16:creationId xmlns:a16="http://schemas.microsoft.com/office/drawing/2014/main" id="{E88A0562-D00C-FE44-A70A-8E9CFE185D71}"/>
+              </a:ext>
+            </a:extLst>
+          </p:cNvPr>
+          <p:cNvSpPr txBox="1"/>
+          <p:nvPr/>
+        </p:nvSpPr>
+        <p:spPr>
+          <a:xfrm>
+            <a:off x="7515225" y="6007397"/>
+            <a:ext cx="3674391" cy="369332"/>
+          </a:xfrm>
+          <a:prstGeom prst="rect">
+            <a:avLst/>
+          </a:prstGeom>
+          <a:noFill/>
+        </p:spPr>
+        <p:txBody>
+          <a:bodyPr wrap="square" rtlCol="0">
+            <a:spAutoFit/>
+          </a:bodyPr>
+          <a:lstStyle/>
+          <a:p>
+            <a:r>
+              <a:rPr lang="en-PT" dirty="0"/>
+              <a:t>Palma et al (2018)</a:t>
+            </a:r>
+          </a:p>
+        </p:txBody>
+      </p:sp>
+    </p:spTree>
+    <p:extLst>
+      <p:ext uri="{BB962C8B-B14F-4D97-AF65-F5344CB8AC3E}">
+        <p14:creationId xmlns:p14="http://schemas.microsoft.com/office/powerpoint/2010/main" val="120765496"/>
+      </p:ext>
+    </p:extLst>
+  </p:cSld>
+  <p:clrMapOvr>
+    <a:masterClrMapping/>
+  </p:clrMapOvr>
+</p:sld>
+</file>
+
+<file path=ppt/slides/slide6.xml><?xml version="1.0" encoding="utf-8"?>
+<p:sld xmlns:a="http://schemas.openxmlformats.org/drawingml/2006/main" xmlns:r="http://schemas.openxmlformats.org/officeDocument/2006/relationships" xmlns:p="http://schemas.openxmlformats.org/presentationml/2006/main">
+  <p:cSld>
+    <p:bg>
+      <p:bgPr>
+        <a:blipFill rotWithShape="1">
+          <a:blip r:embed="rId2">
+            <a:duotone>
+              <a:schemeClr val="bg2">
+                <a:shade val="28000"/>
+                <a:satMod val="94000"/>
+                <a:lumMod val="20000"/>
+              </a:schemeClr>
+              <a:schemeClr val="bg2">
+                <a:tint val="94000"/>
+                <a:shade val="84000"/>
+                <a:satMod val="148000"/>
+                <a:lumMod val="114000"/>
+              </a:schemeClr>
+            </a:duotone>
+          </a:blip>
+          <a:stretch/>
+        </a:blipFill>
+        <a:effectLst/>
+      </p:bgPr>
+    </p:bg>
+    <p:spTree>
+      <p:nvGrpSpPr>
+        <p:cNvPr id="1" name=""/>
+        <p:cNvGrpSpPr/>
+        <p:nvPr/>
+      </p:nvGrpSpPr>
+      <p:grpSpPr>
+        <a:xfrm>
+          <a:off x="0" y="0"/>
+          <a:ext cx="0" cy="0"/>
+          <a:chOff x="0" y="0"/>
+          <a:chExt cx="0" cy="0"/>
+        </a:xfrm>
+      </p:grpSpPr>
+      <p:sp>
+        <p:nvSpPr>
+          <p:cNvPr id="2" name="Title 1">
+            <a:extLst>
+              <a:ext uri="{FF2B5EF4-FFF2-40B4-BE49-F238E27FC236}">
                 <a16:creationId xmlns:a16="http://schemas.microsoft.com/office/drawing/2014/main" id="{5BC2BE6F-41C8-E042-976B-B147E6AAF7D5}"/>
               </a:ext>
             </a:extLst>
@@ -7376,7 +8238,7 @@
 </p:sld>
 </file>
 
-<file path=ppt/slides/slide5.xml><?xml version="1.0" encoding="utf-8"?>
+<file path=ppt/slides/slide7.xml><?xml version="1.0" encoding="utf-8"?>
 <p:sld xmlns:a="http://schemas.openxmlformats.org/drawingml/2006/main" xmlns:r="http://schemas.openxmlformats.org/officeDocument/2006/relationships" xmlns:p="http://schemas.openxmlformats.org/presentationml/2006/main">
   <p:cSld>
     <p:bg>
@@ -7683,7 +8545,168 @@
 </p:sld>
 </file>
 
-<file path=ppt/slides/slide6.xml><?xml version="1.0" encoding="utf-8"?>
+<file path=ppt/slides/slide8.xml><?xml version="1.0" encoding="utf-8"?>
+<p:sld xmlns:a="http://schemas.openxmlformats.org/drawingml/2006/main" xmlns:r="http://schemas.openxmlformats.org/officeDocument/2006/relationships" xmlns:p="http://schemas.openxmlformats.org/presentationml/2006/main">
+  <p:cSld>
+    <p:bg>
+      <p:bgPr>
+        <a:blipFill rotWithShape="1">
+          <a:blip r:embed="rId2">
+            <a:duotone>
+              <a:schemeClr val="bg2">
+                <a:shade val="28000"/>
+                <a:satMod val="94000"/>
+                <a:lumMod val="20000"/>
+              </a:schemeClr>
+              <a:schemeClr val="bg2">
+                <a:tint val="94000"/>
+                <a:shade val="84000"/>
+                <a:satMod val="148000"/>
+                <a:lumMod val="114000"/>
+              </a:schemeClr>
+            </a:duotone>
+          </a:blip>
+          <a:stretch/>
+        </a:blipFill>
+        <a:effectLst/>
+      </p:bgPr>
+    </p:bg>
+    <p:spTree>
+      <p:nvGrpSpPr>
+        <p:cNvPr id="1" name=""/>
+        <p:cNvGrpSpPr/>
+        <p:nvPr/>
+      </p:nvGrpSpPr>
+      <p:grpSpPr>
+        <a:xfrm>
+          <a:off x="0" y="0"/>
+          <a:ext cx="0" cy="0"/>
+          <a:chOff x="0" y="0"/>
+          <a:chExt cx="0" cy="0"/>
+        </a:xfrm>
+      </p:grpSpPr>
+      <p:sp>
+        <p:nvSpPr>
+          <p:cNvPr id="2" name="Title 1">
+            <a:extLst>
+              <a:ext uri="{FF2B5EF4-FFF2-40B4-BE49-F238E27FC236}">
+                <a16:creationId xmlns:a16="http://schemas.microsoft.com/office/drawing/2014/main" id="{1F05A76E-F418-AC4B-893E-BA17872BB369}"/>
+              </a:ext>
+            </a:extLst>
+          </p:cNvPr>
+          <p:cNvSpPr>
+            <a:spLocks noGrp="1"/>
+          </p:cNvSpPr>
+          <p:nvPr>
+            <p:ph type="title"/>
+          </p:nvPr>
+        </p:nvSpPr>
+        <p:spPr>
+          <a:xfrm>
+            <a:off x="1751012" y="4363271"/>
+            <a:ext cx="8676222" cy="1066801"/>
+          </a:xfrm>
+        </p:spPr>
+        <p:txBody>
+          <a:bodyPr vert="horz" lIns="91440" tIns="45720" rIns="91440" bIns="45720" rtlCol="0" anchor="b">
+            <a:normAutofit/>
+          </a:bodyPr>
+          <a:lstStyle/>
+          <a:p>
+            <a:pPr algn="ctr"/>
+            <a:r>
+              <a:rPr lang="en-US" sz="4800">
+                <a:effectLst>
+                  <a:glow rad="38100">
+                    <a:schemeClr val="bg1">
+                      <a:lumMod val="65000"/>
+                      <a:lumOff val="35000"/>
+                      <a:alpha val="50000"/>
+                    </a:schemeClr>
+                  </a:glow>
+                  <a:outerShdw blurRad="28575" dist="31750" dir="13200000" algn="tl" rotWithShape="0">
+                    <a:srgbClr val="000000">
+                      <a:alpha val="25000"/>
+                    </a:srgbClr>
+                  </a:outerShdw>
+                </a:effectLst>
+              </a:rPr>
+              <a:t>Classification Metrics</a:t>
+            </a:r>
+          </a:p>
+        </p:txBody>
+      </p:sp>
+      <p:pic>
+        <p:nvPicPr>
+          <p:cNvPr id="5" name="Content Placeholder 4" descr="A screenshot of a cell phone&#10;&#10;Description automatically generated">
+            <a:extLst>
+              <a:ext uri="{FF2B5EF4-FFF2-40B4-BE49-F238E27FC236}">
+                <a16:creationId xmlns:a16="http://schemas.microsoft.com/office/drawing/2014/main" id="{F9E31015-E9E3-484A-A3B8-FCEC3584B0C3}"/>
+              </a:ext>
+            </a:extLst>
+          </p:cNvPr>
+          <p:cNvPicPr>
+            <a:picLocks noGrp="1" noChangeAspect="1"/>
+          </p:cNvPicPr>
+          <p:nvPr>
+            <p:ph idx="1"/>
+          </p:nvPr>
+        </p:nvPicPr>
+        <p:blipFill>
+          <a:blip r:embed="rId3"/>
+          <a:stretch>
+            <a:fillRect/>
+          </a:stretch>
+        </p:blipFill>
+        <p:spPr>
+          <a:xfrm>
+            <a:off x="635457" y="1786614"/>
+            <a:ext cx="10916463" cy="2456202"/>
+          </a:xfrm>
+          <a:prstGeom prst="roundRect">
+            <a:avLst>
+              <a:gd name="adj" fmla="val 3517"/>
+            </a:avLst>
+          </a:prstGeom>
+          <a:ln w="38100">
+            <a:gradFill flip="none" rotWithShape="1">
+              <a:gsLst>
+                <a:gs pos="0">
+                  <a:srgbClr val="363D46"/>
+                </a:gs>
+                <a:gs pos="100000">
+                  <a:srgbClr val="363D46">
+                    <a:lumMod val="75000"/>
+                  </a:srgbClr>
+                </a:gs>
+              </a:gsLst>
+              <a:lin ang="5400000" scaled="0"/>
+              <a:tileRect/>
+            </a:gradFill>
+          </a:ln>
+          <a:effectLst>
+            <a:innerShdw blurRad="57150" dist="38100" dir="14460000">
+              <a:srgbClr val="000000">
+                <a:alpha val="70000"/>
+              </a:srgbClr>
+            </a:innerShdw>
+          </a:effectLst>
+        </p:spPr>
+      </p:pic>
+    </p:spTree>
+    <p:extLst>
+      <p:ext uri="{BB962C8B-B14F-4D97-AF65-F5344CB8AC3E}">
+        <p14:creationId xmlns:p14="http://schemas.microsoft.com/office/powerpoint/2010/main" val="4231621739"/>
+      </p:ext>
+    </p:extLst>
+  </p:cSld>
+  <p:clrMapOvr>
+    <a:masterClrMapping/>
+  </p:clrMapOvr>
+</p:sld>
+</file>
+
+<file path=ppt/slides/slide9.xml><?xml version="1.0" encoding="utf-8"?>
 <p:sld xmlns:a="http://schemas.openxmlformats.org/drawingml/2006/main" xmlns:r="http://schemas.openxmlformats.org/officeDocument/2006/relationships" xmlns:p="http://schemas.openxmlformats.org/presentationml/2006/main">
   <p:cSld>
     <p:bg>

--- a/presentations/resultsAPFD.pptx
+++ b/presentations/resultsAPFD.pptx
@@ -7608,6 +7608,41 @@
           </a:p>
         </p:txBody>
       </p:sp>
+      <p:sp>
+        <p:nvSpPr>
+          <p:cNvPr id="16" name="TextBox 15">
+            <a:extLst>
+              <a:ext uri="{FF2B5EF4-FFF2-40B4-BE49-F238E27FC236}">
+                <a16:creationId xmlns:a16="http://schemas.microsoft.com/office/drawing/2014/main" id="{26893EB5-4E03-814E-B9EA-49E0470A8B4E}"/>
+              </a:ext>
+            </a:extLst>
+          </p:cNvPr>
+          <p:cNvSpPr txBox="1"/>
+          <p:nvPr/>
+        </p:nvSpPr>
+        <p:spPr>
+          <a:xfrm>
+            <a:off x="3857625" y="5519517"/>
+            <a:ext cx="5057775" cy="369332"/>
+          </a:xfrm>
+          <a:prstGeom prst="rect">
+            <a:avLst/>
+          </a:prstGeom>
+          <a:noFill/>
+        </p:spPr>
+        <p:txBody>
+          <a:bodyPr wrap="square" rtlCol="0">
+            <a:spAutoFit/>
+          </a:bodyPr>
+          <a:lstStyle/>
+          <a:p>
+            <a:r>
+              <a:rPr lang="en-PT" dirty="0"/>
+              <a:t>Average Percentage of Fault Detection</a:t>
+            </a:r>
+          </a:p>
+        </p:txBody>
+      </p:sp>
     </p:spTree>
     <p:extLst>
       <p:ext uri="{BB962C8B-B14F-4D97-AF65-F5344CB8AC3E}">
@@ -8946,11 +8981,7 @@
           <a:prstGeom prst="rect">
             <a:avLst/>
           </a:prstGeom>
-          <a:solidFill>
-            <a:srgbClr val="000000">
-              <a:alpha val="50000"/>
-            </a:srgbClr>
-          </a:solidFill>
+          <a:noFill/>
           <a:ln>
             <a:noFill/>
           </a:ln>
